--- a/Game Design.pptx
+++ b/Game Design.pptx
@@ -20,23 +20,24 @@
     <p:sldId id="265" r:id="rId15"/>
     <p:sldId id="266" r:id="rId16"/>
     <p:sldId id="267" r:id="rId17"/>
+    <p:sldId id="268" r:id="rId18"/>
   </p:sldIdLst>
   <p:sldSz cy="5143500" cx="9144000"/>
   <p:notesSz cx="6858000" cy="9144000"/>
   <p:embeddedFontLst>
     <p:embeddedFont>
       <p:font typeface="Raleway"/>
-      <p:regular r:id="rId18"/>
-      <p:bold r:id="rId19"/>
-      <p:italic r:id="rId20"/>
-      <p:boldItalic r:id="rId21"/>
+      <p:regular r:id="rId19"/>
+      <p:bold r:id="rId20"/>
+      <p:italic r:id="rId21"/>
+      <p:boldItalic r:id="rId22"/>
     </p:embeddedFont>
     <p:embeddedFont>
       <p:font typeface="Lato"/>
-      <p:regular r:id="rId22"/>
-      <p:bold r:id="rId23"/>
-      <p:italic r:id="rId24"/>
-      <p:boldItalic r:id="rId25"/>
+      <p:regular r:id="rId23"/>
+      <p:bold r:id="rId24"/>
+      <p:italic r:id="rId25"/>
+      <p:boldItalic r:id="rId26"/>
     </p:embeddedFont>
   </p:embeddedFontLst>
   <p:defaultTextStyle>
@@ -817,7 +818,7 @@
   <p:cSld>
     <p:spTree>
       <p:nvGrpSpPr>
-        <p:cNvPr id="126" name="Shape 126"/>
+        <p:cNvPr id="125" name="Shape 125"/>
         <p:cNvGrpSpPr/>
         <p:nvPr/>
       </p:nvGrpSpPr>
@@ -831,7 +832,7 @@
       </p:grpSpPr>
       <p:sp>
         <p:nvSpPr>
-          <p:cNvPr id="127" name="Google Shape;127;g1a5aee9d421_0_300:notes"/>
+          <p:cNvPr id="126" name="Google Shape;126;g1fc4bc55c70_0_62:notes"/>
           <p:cNvSpPr/>
           <p:nvPr>
             <p:ph idx="2" type="sldImg"/>
@@ -866,7 +867,7 @@
       </p:sp>
       <p:sp>
         <p:nvSpPr>
-          <p:cNvPr id="128" name="Google Shape;128;g1a5aee9d421_0_300:notes"/>
+          <p:cNvPr id="127" name="Google Shape;127;g1fc4bc55c70_0_62:notes"/>
           <p:cNvSpPr txBox="1"/>
           <p:nvPr>
             <p:ph idx="1" type="body"/>
@@ -930,7 +931,7 @@
       </p:grpSpPr>
       <p:sp>
         <p:nvSpPr>
-          <p:cNvPr id="133" name="Google Shape;133;g1a5aee9d421_0_268:notes"/>
+          <p:cNvPr id="133" name="Google Shape;133;g1a5aee9d421_0_300:notes"/>
           <p:cNvSpPr/>
           <p:nvPr>
             <p:ph idx="2" type="sldImg"/>
@@ -965,7 +966,7 @@
       </p:sp>
       <p:sp>
         <p:nvSpPr>
-          <p:cNvPr id="134" name="Google Shape;134;g1a5aee9d421_0_268:notes"/>
+          <p:cNvPr id="134" name="Google Shape;134;g1a5aee9d421_0_300:notes"/>
           <p:cNvSpPr txBox="1"/>
           <p:nvPr>
             <p:ph idx="1" type="body"/>
@@ -1029,7 +1030,7 @@
       </p:grpSpPr>
       <p:sp>
         <p:nvSpPr>
-          <p:cNvPr id="139" name="Google Shape;139;g1f72b0b8d62_2_0:notes"/>
+          <p:cNvPr id="139" name="Google Shape;139;g1a5aee9d421_0_268:notes"/>
           <p:cNvSpPr/>
           <p:nvPr>
             <p:ph idx="2" type="sldImg"/>
@@ -1064,7 +1065,106 @@
       </p:sp>
       <p:sp>
         <p:nvSpPr>
-          <p:cNvPr id="140" name="Google Shape;140;g1f72b0b8d62_2_0:notes"/>
+          <p:cNvPr id="140" name="Google Shape;140;g1a5aee9d421_0_268:notes"/>
+          <p:cNvSpPr txBox="1"/>
+          <p:nvPr>
+            <p:ph idx="1" type="body"/>
+          </p:nvPr>
+        </p:nvSpPr>
+        <p:spPr>
+          <a:xfrm>
+            <a:off x="685800" y="4343400"/>
+            <a:ext cx="5486400" cy="4114800"/>
+          </a:xfrm>
+          <a:prstGeom prst="rect">
+            <a:avLst/>
+          </a:prstGeom>
+        </p:spPr>
+        <p:txBody>
+          <a:bodyPr anchorCtr="0" anchor="t" bIns="91425" lIns="91425" spcFirstLastPara="1" rIns="91425" wrap="square" tIns="91425">
+            <a:noAutofit/>
+          </a:bodyPr>
+          <a:lstStyle/>
+          <a:p>
+            <a:pPr indent="0" lvl="0" marL="0" rtl="0" algn="l">
+              <a:spcBef>
+                <a:spcPts val="0"/>
+              </a:spcBef>
+              <a:spcAft>
+                <a:spcPts val="0"/>
+              </a:spcAft>
+              <a:buNone/>
+            </a:pPr>
+            <a:r>
+              <a:t/>
+            </a:r>
+            <a:endParaRPr/>
+          </a:p>
+        </p:txBody>
+      </p:sp>
+    </p:spTree>
+  </p:cSld>
+  <p:clrMapOvr>
+    <a:masterClrMapping/>
+  </p:clrMapOvr>
+</p:notes>
+</file>
+
+<file path=ppt/notesSlides/notesSlide13.xml><?xml version="1.0" encoding="utf-8"?>
+<p:notes xmlns:a="http://schemas.openxmlformats.org/drawingml/2006/main" xmlns:r="http://schemas.openxmlformats.org/officeDocument/2006/relationships" xmlns:mc="http://schemas.openxmlformats.org/markup-compatibility/2006" xmlns:mv="urn:schemas-microsoft-com:mac:vml" xmlns:p="http://schemas.openxmlformats.org/presentationml/2006/main" xmlns:c="http://schemas.openxmlformats.org/drawingml/2006/chart" xmlns:dgm="http://schemas.openxmlformats.org/drawingml/2006/diagram" xmlns:o="urn:schemas-microsoft-com:office:office" xmlns:v="urn:schemas-microsoft-com:vml" xmlns:pvml="urn:schemas-microsoft-com:office:powerpoint" xmlns:com="http://schemas.openxmlformats.org/drawingml/2006/compatibility" xmlns:p14="http://schemas.microsoft.com/office/powerpoint/2010/main" xmlns:p15="http://schemas.microsoft.com/office/powerpoint/2012/main" xmlns:ahyp="http://schemas.microsoft.com/office/drawing/2018/hyperlinkcolor" showMasterPhAnim="0" showMasterSp="0">
+  <p:cSld>
+    <p:spTree>
+      <p:nvGrpSpPr>
+        <p:cNvPr id="144" name="Shape 144"/>
+        <p:cNvGrpSpPr/>
+        <p:nvPr/>
+      </p:nvGrpSpPr>
+      <p:grpSpPr>
+        <a:xfrm>
+          <a:off x="0" y="0"/>
+          <a:ext cx="0" cy="0"/>
+          <a:chOff x="0" y="0"/>
+          <a:chExt cx="0" cy="0"/>
+        </a:xfrm>
+      </p:grpSpPr>
+      <p:sp>
+        <p:nvSpPr>
+          <p:cNvPr id="145" name="Google Shape;145;g1f72b0b8d62_2_0:notes"/>
+          <p:cNvSpPr/>
+          <p:nvPr>
+            <p:ph idx="2" type="sldImg"/>
+          </p:nvPr>
+        </p:nvSpPr>
+        <p:spPr>
+          <a:xfrm>
+            <a:off x="381300" y="685800"/>
+            <a:ext cx="6096000" cy="3429000"/>
+          </a:xfrm>
+          <a:custGeom>
+            <a:rect b="b" l="l" r="r" t="t"/>
+            <a:pathLst>
+              <a:path extrusionOk="0" h="120000" w="120000">
+                <a:moveTo>
+                  <a:pt x="0" y="0"/>
+                </a:moveTo>
+                <a:lnTo>
+                  <a:pt x="120000" y="0"/>
+                </a:lnTo>
+                <a:lnTo>
+                  <a:pt x="120000" y="120000"/>
+                </a:lnTo>
+                <a:lnTo>
+                  <a:pt x="0" y="120000"/>
+                </a:lnTo>
+                <a:close/>
+              </a:path>
+            </a:pathLst>
+          </a:custGeom>
+        </p:spPr>
+      </p:sp>
+      <p:sp>
+        <p:nvSpPr>
+          <p:cNvPr id="146" name="Google Shape;146;g1f72b0b8d62_2_0:notes"/>
           <p:cNvSpPr txBox="1"/>
           <p:nvPr>
             <p:ph idx="1" type="body"/>
@@ -1227,7 +1327,7 @@
       </p:grpSpPr>
       <p:sp>
         <p:nvSpPr>
-          <p:cNvPr id="81" name="Google Shape;81;g1a5aee9d421_0_273:notes"/>
+          <p:cNvPr id="81" name="Google Shape;81;g200cd86b7ef_0_1:notes"/>
           <p:cNvSpPr/>
           <p:nvPr>
             <p:ph idx="2" type="sldImg"/>
@@ -1262,7 +1362,7 @@
       </p:sp>
       <p:sp>
         <p:nvSpPr>
-          <p:cNvPr id="82" name="Google Shape;82;g1a5aee9d421_0_273:notes"/>
+          <p:cNvPr id="82" name="Google Shape;82;g200cd86b7ef_0_1:notes"/>
           <p:cNvSpPr txBox="1"/>
           <p:nvPr>
             <p:ph idx="1" type="body"/>
@@ -1312,7 +1412,7 @@
   <p:cSld>
     <p:spTree>
       <p:nvGrpSpPr>
-        <p:cNvPr id="87" name="Shape 87"/>
+        <p:cNvPr id="86" name="Shape 86"/>
         <p:cNvGrpSpPr/>
         <p:nvPr/>
       </p:nvGrpSpPr>
@@ -1326,7 +1426,7 @@
       </p:grpSpPr>
       <p:sp>
         <p:nvSpPr>
-          <p:cNvPr id="88" name="Google Shape;88;g1a5aee9d421_0_263:notes"/>
+          <p:cNvPr id="87" name="Google Shape;87;g1a5aee9d421_0_273:notes"/>
           <p:cNvSpPr/>
           <p:nvPr>
             <p:ph idx="2" type="sldImg"/>
@@ -1361,7 +1461,7 @@
       </p:sp>
       <p:sp>
         <p:nvSpPr>
-          <p:cNvPr id="89" name="Google Shape;89;g1a5aee9d421_0_263:notes"/>
+          <p:cNvPr id="88" name="Google Shape;88;g1a5aee9d421_0_273:notes"/>
           <p:cNvSpPr txBox="1"/>
           <p:nvPr>
             <p:ph idx="1" type="body"/>
@@ -1411,7 +1511,7 @@
   <p:cSld>
     <p:spTree>
       <p:nvGrpSpPr>
-        <p:cNvPr id="94" name="Shape 94"/>
+        <p:cNvPr id="93" name="Shape 93"/>
         <p:cNvGrpSpPr/>
         <p:nvPr/>
       </p:nvGrpSpPr>
@@ -1425,7 +1525,7 @@
       </p:grpSpPr>
       <p:sp>
         <p:nvSpPr>
-          <p:cNvPr id="95" name="Google Shape;95;g1fe533d8bd8_0_0:notes"/>
+          <p:cNvPr id="94" name="Google Shape;94;g1a5aee9d421_0_263:notes"/>
           <p:cNvSpPr/>
           <p:nvPr>
             <p:ph idx="2" type="sldImg"/>
@@ -1460,7 +1560,7 @@
       </p:sp>
       <p:sp>
         <p:nvSpPr>
-          <p:cNvPr id="96" name="Google Shape;96;g1fe533d8bd8_0_0:notes"/>
+          <p:cNvPr id="95" name="Google Shape;95;g1a5aee9d421_0_263:notes"/>
           <p:cNvSpPr txBox="1"/>
           <p:nvPr>
             <p:ph idx="1" type="body"/>
@@ -1524,7 +1624,7 @@
       </p:grpSpPr>
       <p:sp>
         <p:nvSpPr>
-          <p:cNvPr id="101" name="Google Shape;101;g1dab80160a6_1_6:notes"/>
+          <p:cNvPr id="101" name="Google Shape;101;g1fe533d8bd8_0_0:notes"/>
           <p:cNvSpPr/>
           <p:nvPr>
             <p:ph idx="2" type="sldImg"/>
@@ -1559,7 +1659,7 @@
       </p:sp>
       <p:sp>
         <p:nvSpPr>
-          <p:cNvPr id="102" name="Google Shape;102;g1dab80160a6_1_6:notes"/>
+          <p:cNvPr id="102" name="Google Shape;102;g1fe533d8bd8_0_0:notes"/>
           <p:cNvSpPr txBox="1"/>
           <p:nvPr>
             <p:ph idx="1" type="body"/>
@@ -1623,7 +1723,7 @@
       </p:grpSpPr>
       <p:sp>
         <p:nvSpPr>
-          <p:cNvPr id="107" name="Google Shape;107;g1dab80160a6_1_0:notes"/>
+          <p:cNvPr id="107" name="Google Shape;107;g1dab80160a6_1_6:notes"/>
           <p:cNvSpPr/>
           <p:nvPr>
             <p:ph idx="2" type="sldImg"/>
@@ -1658,7 +1758,7 @@
       </p:sp>
       <p:sp>
         <p:nvSpPr>
-          <p:cNvPr id="108" name="Google Shape;108;g1dab80160a6_1_0:notes"/>
+          <p:cNvPr id="108" name="Google Shape;108;g1dab80160a6_1_6:notes"/>
           <p:cNvSpPr txBox="1"/>
           <p:nvPr>
             <p:ph idx="1" type="body"/>
@@ -1708,7 +1808,7 @@
   <p:cSld>
     <p:spTree>
       <p:nvGrpSpPr>
-        <p:cNvPr id="113" name="Shape 113"/>
+        <p:cNvPr id="112" name="Shape 112"/>
         <p:cNvGrpSpPr/>
         <p:nvPr/>
       </p:nvGrpSpPr>
@@ -1722,7 +1822,7 @@
       </p:grpSpPr>
       <p:sp>
         <p:nvSpPr>
-          <p:cNvPr id="114" name="Google Shape;114;g1a5aee9d421_0_295:notes"/>
+          <p:cNvPr id="113" name="Google Shape;113;g1dab80160a6_1_0:notes"/>
           <p:cNvSpPr/>
           <p:nvPr>
             <p:ph idx="2" type="sldImg"/>
@@ -1757,7 +1857,7 @@
       </p:sp>
       <p:sp>
         <p:nvSpPr>
-          <p:cNvPr id="115" name="Google Shape;115;g1a5aee9d421_0_295:notes"/>
+          <p:cNvPr id="114" name="Google Shape;114;g1dab80160a6_1_0:notes"/>
           <p:cNvSpPr txBox="1"/>
           <p:nvPr>
             <p:ph idx="1" type="body"/>
@@ -1821,7 +1921,7 @@
       </p:grpSpPr>
       <p:sp>
         <p:nvSpPr>
-          <p:cNvPr id="120" name="Google Shape;120;g1fc4bc55c70_0_62:notes"/>
+          <p:cNvPr id="120" name="Google Shape;120;g1a5aee9d421_0_295:notes"/>
           <p:cNvSpPr/>
           <p:nvPr>
             <p:ph idx="2" type="sldImg"/>
@@ -1856,7 +1956,7 @@
       </p:sp>
       <p:sp>
         <p:nvSpPr>
-          <p:cNvPr id="121" name="Google Shape;121;g1fc4bc55c70_0_62:notes"/>
+          <p:cNvPr id="121" name="Google Shape;121;g1a5aee9d421_0_295:notes"/>
           <p:cNvSpPr txBox="1"/>
           <p:nvPr>
             <p:ph idx="1" type="body"/>
@@ -7994,7 +8094,7 @@
   <p:cSld>
     <p:spTree>
       <p:nvGrpSpPr>
-        <p:cNvPr id="129" name="Shape 129"/>
+        <p:cNvPr id="128" name="Shape 128"/>
         <p:cNvGrpSpPr/>
         <p:nvPr/>
       </p:nvGrpSpPr>
@@ -8008,7 +8108,7 @@
       </p:grpSpPr>
       <p:sp>
         <p:nvSpPr>
-          <p:cNvPr id="130" name="Google Shape;130;p22"/>
+          <p:cNvPr id="129" name="Google Shape;129;p22"/>
           <p:cNvSpPr txBox="1"/>
           <p:nvPr>
             <p:ph type="title"/>
@@ -8040,7 +8140,7 @@
             </a:pPr>
             <a:r>
               <a:rPr lang="en"/>
-              <a:t>Gameplay Demonstration</a:t>
+              <a:t>Game Screen</a:t>
             </a:r>
             <a:endParaRPr/>
           </a:p>
@@ -8048,16 +8148,16 @@
       </p:sp>
       <p:sp>
         <p:nvSpPr>
-          <p:cNvPr id="131" name="Google Shape;131;p22"/>
+          <p:cNvPr id="130" name="Google Shape;130;p22"/>
           <p:cNvSpPr txBox="1"/>
           <p:nvPr>
             <p:ph idx="1" type="body"/>
           </p:nvPr>
         </p:nvSpPr>
         <p:spPr>
-          <a:xfrm>
-            <a:off x="2410112" y="1595776"/>
-            <a:ext cx="6321600" cy="3002400"/>
+          <a:xfrm flipH="1">
+            <a:off x="400100" y="1337300"/>
+            <a:ext cx="2010000" cy="3407100"/>
           </a:xfrm>
           <a:prstGeom prst="rect">
             <a:avLst/>
@@ -8065,7 +8165,7 @@
         </p:spPr>
         <p:txBody>
           <a:bodyPr anchorCtr="0" anchor="t" bIns="91425" lIns="91425" spcFirstLastPara="1" rIns="91425" wrap="square" tIns="91425">
-            <a:normAutofit fontScale="40000" lnSpcReduction="10000"/>
+            <a:normAutofit fontScale="92500" lnSpcReduction="10000"/>
           </a:bodyPr>
           <a:lstStyle/>
           <a:p>
@@ -8074,113 +8174,46 @@
                 <a:spcPts val="0"/>
               </a:spcBef>
               <a:spcAft>
-                <a:spcPts val="0"/>
+                <a:spcPts val="1200"/>
               </a:spcAft>
               <a:buNone/>
             </a:pPr>
             <a:r>
-              <a:rPr lang="en" sz="3487"/>
-              <a:t>The game has been tested as it was developed, with all of the features being developed and improved along the way. As the game came together the fixes were made. The final result can be found in the repository on GitHub, along with all of the code for the presentation and other game resources can be found in </a:t>
+              <a:rPr lang="en"/>
+              <a:t>The game screen was created for the game to look more presentable and professional, with some graphics used in the game. As the user presses anywhere on the screen the game will play from level one.</a:t>
             </a:r>
-            <a:r>
-              <a:rPr lang="en" sz="3487"/>
-              <a:t>the link below.</a:t>
-            </a:r>
-            <a:endParaRPr sz="3487"/>
-          </a:p>
-          <a:p>
-            <a:pPr indent="0" lvl="0" marL="457200" rtl="0" algn="l">
-              <a:spcBef>
-                <a:spcPts val="1200"/>
-              </a:spcBef>
-              <a:spcAft>
-                <a:spcPts val="0"/>
-              </a:spcAft>
-              <a:buNone/>
-            </a:pPr>
-            <a:r>
-              <a:t/>
-            </a:r>
-            <a:endParaRPr sz="1300"/>
-          </a:p>
-          <a:p>
-            <a:pPr indent="0" lvl="0" marL="457200" rtl="0" algn="l">
-              <a:spcBef>
-                <a:spcPts val="1200"/>
-              </a:spcBef>
-              <a:spcAft>
-                <a:spcPts val="0"/>
-              </a:spcAft>
-              <a:buNone/>
-            </a:pPr>
-            <a:r>
-              <a:t/>
-            </a:r>
-            <a:endParaRPr sz="1300"/>
-          </a:p>
-          <a:p>
-            <a:pPr indent="0" lvl="0" marL="457200" rtl="0" algn="l">
-              <a:spcBef>
-                <a:spcPts val="1200"/>
-              </a:spcBef>
-              <a:spcAft>
-                <a:spcPts val="0"/>
-              </a:spcAft>
-              <a:buNone/>
-            </a:pPr>
-            <a:r>
-              <a:t/>
-            </a:r>
-            <a:endParaRPr sz="1300"/>
-          </a:p>
-          <a:p>
-            <a:pPr indent="0" lvl="0" marL="457200" rtl="0" algn="l">
-              <a:spcBef>
-                <a:spcPts val="1200"/>
-              </a:spcBef>
-              <a:spcAft>
-                <a:spcPts val="0"/>
-              </a:spcAft>
-              <a:buNone/>
-            </a:pPr>
-            <a:r>
-              <a:t/>
-            </a:r>
-            <a:endParaRPr sz="1300"/>
-          </a:p>
-          <a:p>
-            <a:pPr indent="0" lvl="0" marL="457200" rtl="0" algn="l">
-              <a:spcBef>
-                <a:spcPts val="1200"/>
-              </a:spcBef>
-              <a:spcAft>
-                <a:spcPts val="0"/>
-              </a:spcAft>
-              <a:buNone/>
-            </a:pPr>
-            <a:r>
-              <a:t/>
-            </a:r>
-            <a:endParaRPr sz="1300"/>
-          </a:p>
-          <a:p>
-            <a:pPr indent="0" lvl="0" marL="0" rtl="0" algn="l">
-              <a:spcBef>
-                <a:spcPts val="1200"/>
-              </a:spcBef>
-              <a:spcAft>
-                <a:spcPts val="1200"/>
-              </a:spcAft>
-              <a:buNone/>
-            </a:pPr>
-            <a:r>
-              <a:rPr lang="en" sz="2431"/>
-              <a:t>GitHub video demonstration of the game, as an MP4 file : https://github.com/CoffeeAddicts/GreenFoot-Game/blob/main/Biscuit%20Blob%20Demo.mp4 </a:t>
-            </a:r>
-            <a:endParaRPr sz="2431"/>
+            <a:endParaRPr/>
           </a:p>
         </p:txBody>
       </p:sp>
+      <p:pic>
+        <p:nvPicPr>
+          <p:cNvPr id="131" name="Google Shape;131;p22"/>
+          <p:cNvPicPr preferRelativeResize="0"/>
+          <p:nvPr/>
+        </p:nvPicPr>
+        <p:blipFill>
+          <a:blip r:embed="rId3">
+            <a:alphaModFix/>
+          </a:blip>
+          <a:stretch>
+            <a:fillRect/>
+          </a:stretch>
+        </p:blipFill>
+        <p:spPr>
+          <a:xfrm>
+            <a:off x="3078925" y="1117100"/>
+            <a:ext cx="4534188" cy="3627350"/>
+          </a:xfrm>
+          <a:prstGeom prst="rect">
+            <a:avLst/>
+          </a:prstGeom>
+          <a:noFill/>
+          <a:ln>
+            <a:noFill/>
+          </a:ln>
+        </p:spPr>
+      </p:pic>
     </p:spTree>
   </p:cSld>
   <p:clrMapOvr>
@@ -8240,7 +8273,7 @@
             </a:pPr>
             <a:r>
               <a:rPr lang="en"/>
-              <a:t>Evaluation</a:t>
+              <a:t>Gameplay Demonstration</a:t>
             </a:r>
             <a:endParaRPr/>
           </a:p>
@@ -8265,7 +8298,7 @@
         </p:spPr>
         <p:txBody>
           <a:bodyPr anchorCtr="0" anchor="t" bIns="91425" lIns="91425" spcFirstLastPara="1" rIns="91425" wrap="square" tIns="91425">
-            <a:normAutofit lnSpcReduction="20000"/>
+            <a:normAutofit fontScale="40000" lnSpcReduction="10000"/>
           </a:bodyPr>
           <a:lstStyle/>
           <a:p>
@@ -8279,25 +8312,105 @@
               <a:buNone/>
             </a:pPr>
             <a:r>
-              <a:rPr lang="en"/>
-              <a:t>A lesson which we have all learned is how to properly work together. Initially at the beginning of the project it was either one person doing the work at a time or everyone with little amount of communication. However, by the end of the project we learnt how to properly communicate and use GitHub to our advantage to be able to work together simultaneously. The game project was an overall success as the game was created with all of the basic requirements needed, and it is completely functional as desired.  </a:t>
+              <a:rPr lang="en" sz="3487"/>
+              <a:t>The game has been tested as it was developed, with all of the features being developed and improved along the way. As the game came together the fixes were made. The final result can be found in the repository on GitHub, along with all of the code for the presentation and other game resources can be found in </a:t>
             </a:r>
-            <a:endParaRPr/>
+            <a:r>
+              <a:rPr lang="en" sz="3487"/>
+              <a:t>the link below.</a:t>
+            </a:r>
+            <a:endParaRPr sz="3487"/>
           </a:p>
           <a:p>
-            <a:pPr indent="0" lvl="0" marL="0" rtl="0" algn="l">
+            <a:pPr indent="0" lvl="0" marL="457200" rtl="0" algn="l">
               <a:spcBef>
                 <a:spcPts val="1200"/>
               </a:spcBef>
               <a:spcAft>
-                <a:spcPts val="1200"/>
+                <a:spcPts val="0"/>
               </a:spcAft>
               <a:buNone/>
             </a:pPr>
             <a:r>
               <a:t/>
             </a:r>
-            <a:endParaRPr/>
+            <a:endParaRPr sz="1300"/>
+          </a:p>
+          <a:p>
+            <a:pPr indent="0" lvl="0" marL="457200" rtl="0" algn="l">
+              <a:spcBef>
+                <a:spcPts val="1200"/>
+              </a:spcBef>
+              <a:spcAft>
+                <a:spcPts val="0"/>
+              </a:spcAft>
+              <a:buNone/>
+            </a:pPr>
+            <a:r>
+              <a:t/>
+            </a:r>
+            <a:endParaRPr sz="1300"/>
+          </a:p>
+          <a:p>
+            <a:pPr indent="0" lvl="0" marL="457200" rtl="0" algn="l">
+              <a:spcBef>
+                <a:spcPts val="1200"/>
+              </a:spcBef>
+              <a:spcAft>
+                <a:spcPts val="0"/>
+              </a:spcAft>
+              <a:buNone/>
+            </a:pPr>
+            <a:r>
+              <a:t/>
+            </a:r>
+            <a:endParaRPr sz="1300"/>
+          </a:p>
+          <a:p>
+            <a:pPr indent="0" lvl="0" marL="457200" rtl="0" algn="l">
+              <a:spcBef>
+                <a:spcPts val="1200"/>
+              </a:spcBef>
+              <a:spcAft>
+                <a:spcPts val="0"/>
+              </a:spcAft>
+              <a:buNone/>
+            </a:pPr>
+            <a:r>
+              <a:t/>
+            </a:r>
+            <a:endParaRPr sz="1300"/>
+          </a:p>
+          <a:p>
+            <a:pPr indent="0" lvl="0" marL="457200" rtl="0" algn="l">
+              <a:spcBef>
+                <a:spcPts val="1200"/>
+              </a:spcBef>
+              <a:spcAft>
+                <a:spcPts val="0"/>
+              </a:spcAft>
+              <a:buNone/>
+            </a:pPr>
+            <a:r>
+              <a:t/>
+            </a:r>
+            <a:endParaRPr sz="1300"/>
+          </a:p>
+          <a:p>
+            <a:pPr indent="0" lvl="0" marL="0" rtl="0" algn="l">
+              <a:spcBef>
+                <a:spcPts val="1200"/>
+              </a:spcBef>
+              <a:spcAft>
+                <a:spcPts val="1200"/>
+              </a:spcAft>
+              <a:buNone/>
+            </a:pPr>
+            <a:r>
+              <a:rPr lang="en" sz="2431"/>
+              <a:t>GitHub video demonstration of the game, as an MP4 file : https://github.com/CoffeeAddicts/GreenFoot-Game/blob/main/Biscuit%20Blob%20Demo.mp4 </a:t>
+            </a:r>
+            <a:endParaRPr sz="2431"/>
           </a:p>
         </p:txBody>
       </p:sp>
@@ -8369,6 +8482,126 @@
       <p:sp>
         <p:nvSpPr>
           <p:cNvPr id="143" name="Google Shape;143;p24"/>
+          <p:cNvSpPr txBox="1"/>
+          <p:nvPr>
+            <p:ph idx="1" type="body"/>
+          </p:nvPr>
+        </p:nvSpPr>
+        <p:spPr>
+          <a:xfrm>
+            <a:off x="2410112" y="1595776"/>
+            <a:ext cx="6321600" cy="3002400"/>
+          </a:xfrm>
+          <a:prstGeom prst="rect">
+            <a:avLst/>
+          </a:prstGeom>
+        </p:spPr>
+        <p:txBody>
+          <a:bodyPr anchorCtr="0" anchor="t" bIns="91425" lIns="91425" spcFirstLastPara="1" rIns="91425" wrap="square" tIns="91425">
+            <a:normAutofit lnSpcReduction="20000"/>
+          </a:bodyPr>
+          <a:lstStyle/>
+          <a:p>
+            <a:pPr indent="0" lvl="0" marL="0" rtl="0" algn="l">
+              <a:spcBef>
+                <a:spcPts val="0"/>
+              </a:spcBef>
+              <a:spcAft>
+                <a:spcPts val="0"/>
+              </a:spcAft>
+              <a:buNone/>
+            </a:pPr>
+            <a:r>
+              <a:rPr lang="en"/>
+              <a:t>A lesson which we have all learned is how to properly work together. Initially at the beginning of the project it was either one person doing the work at a time or everyone with little amount of communication. However, by the end of the project we learnt how to properly communicate and use GitHub to our advantage to be able to work together simultaneously. The game project was an overall success as the game was created with all of the basic requirements needed, and it is completely functional as desired.  </a:t>
+            </a:r>
+            <a:endParaRPr/>
+          </a:p>
+          <a:p>
+            <a:pPr indent="0" lvl="0" marL="0" rtl="0" algn="l">
+              <a:spcBef>
+                <a:spcPts val="1200"/>
+              </a:spcBef>
+              <a:spcAft>
+                <a:spcPts val="1200"/>
+              </a:spcAft>
+              <a:buNone/>
+            </a:pPr>
+            <a:r>
+              <a:t/>
+            </a:r>
+            <a:endParaRPr/>
+          </a:p>
+        </p:txBody>
+      </p:sp>
+    </p:spTree>
+  </p:cSld>
+  <p:clrMapOvr>
+    <a:masterClrMapping/>
+  </p:clrMapOvr>
+</p:sld>
+</file>
+
+<file path=ppt/slides/slide13.xml><?xml version="1.0" encoding="utf-8"?>
+<p:sld xmlns:a="http://schemas.openxmlformats.org/drawingml/2006/main" xmlns:r="http://schemas.openxmlformats.org/officeDocument/2006/relationships" xmlns:mc="http://schemas.openxmlformats.org/markup-compatibility/2006" xmlns:mv="urn:schemas-microsoft-com:mac:vml" xmlns:p="http://schemas.openxmlformats.org/presentationml/2006/main" xmlns:c="http://schemas.openxmlformats.org/drawingml/2006/chart" xmlns:dgm="http://schemas.openxmlformats.org/drawingml/2006/diagram" xmlns:o="urn:schemas-microsoft-com:office:office" xmlns:v="urn:schemas-microsoft-com:vml" xmlns:pvml="urn:schemas-microsoft-com:office:powerpoint" xmlns:com="http://schemas.openxmlformats.org/drawingml/2006/compatibility" xmlns:p14="http://schemas.microsoft.com/office/powerpoint/2010/main" xmlns:p15="http://schemas.microsoft.com/office/powerpoint/2012/main" xmlns:ahyp="http://schemas.microsoft.com/office/drawing/2018/hyperlinkcolor">
+  <p:cSld>
+    <p:spTree>
+      <p:nvGrpSpPr>
+        <p:cNvPr id="147" name="Shape 147"/>
+        <p:cNvGrpSpPr/>
+        <p:nvPr/>
+      </p:nvGrpSpPr>
+      <p:grpSpPr>
+        <a:xfrm>
+          <a:off x="0" y="0"/>
+          <a:ext cx="0" cy="0"/>
+          <a:chOff x="0" y="0"/>
+          <a:chExt cx="0" cy="0"/>
+        </a:xfrm>
+      </p:grpSpPr>
+      <p:sp>
+        <p:nvSpPr>
+          <p:cNvPr id="148" name="Google Shape;148;p25"/>
+          <p:cNvSpPr txBox="1"/>
+          <p:nvPr>
+            <p:ph type="title"/>
+          </p:nvPr>
+        </p:nvSpPr>
+        <p:spPr>
+          <a:xfrm>
+            <a:off x="2400250" y="575950"/>
+            <a:ext cx="6321600" cy="635400"/>
+          </a:xfrm>
+          <a:prstGeom prst="rect">
+            <a:avLst/>
+          </a:prstGeom>
+        </p:spPr>
+        <p:txBody>
+          <a:bodyPr anchorCtr="0" anchor="t" bIns="91425" lIns="91425" spcFirstLastPara="1" rIns="91425" wrap="square" tIns="91425">
+            <a:normAutofit fontScale="90000"/>
+          </a:bodyPr>
+          <a:lstStyle/>
+          <a:p>
+            <a:pPr indent="0" lvl="0" marL="0" rtl="0" algn="l">
+              <a:spcBef>
+                <a:spcPts val="0"/>
+              </a:spcBef>
+              <a:spcAft>
+                <a:spcPts val="0"/>
+              </a:spcAft>
+              <a:buNone/>
+            </a:pPr>
+            <a:r>
+              <a:rPr lang="en"/>
+              <a:t>Evaluation</a:t>
+            </a:r>
+            <a:endParaRPr/>
+          </a:p>
+        </p:txBody>
+      </p:sp>
+      <p:sp>
+        <p:nvSpPr>
+          <p:cNvPr id="149" name="Google Shape;149;p25"/>
           <p:cNvSpPr txBox="1"/>
           <p:nvPr>
             <p:ph idx="1" type="body"/>
@@ -8506,7 +8739,7 @@
         </p:spPr>
         <p:txBody>
           <a:bodyPr anchorCtr="0" anchor="t" bIns="91425" lIns="91425" spcFirstLastPara="1" rIns="91425" wrap="square" tIns="91425">
-            <a:normAutofit fontScale="77500" lnSpcReduction="20000"/>
+            <a:normAutofit/>
           </a:bodyPr>
           <a:lstStyle/>
           <a:p>
@@ -8529,7 +8762,7 @@
             </a:r>
             <a:r>
               <a:rPr lang="en"/>
-              <a:t> way. The main character is a green blob, named Biscuit Blob, who is trying to make his way to the portal, to get to the next last biscuit. The objective is for Biscuit Blob to make his way to the </a:t>
+              <a:t> way. The main character is a green blob, who is trying to make his way to the portal, to get to the biscuit. When the </a:t>
             </a:r>
             <a:r>
               <a:rPr lang="en"/>
@@ -8537,19 +8770,7 @@
             </a:r>
             <a:r>
               <a:rPr lang="en"/>
-              <a:t>. When the </a:t>
-            </a:r>
-            <a:r>
-              <a:rPr lang="en"/>
-              <a:t>biscuit</a:t>
-            </a:r>
-            <a:r>
-              <a:rPr lang="en"/>
-              <a:t> is obtained, the game is won. The obstructions are moving platforms and enemy trying to get the blob. When the blob touches the enemy, the game is </a:t>
-            </a:r>
-            <a:r>
-              <a:rPr lang="en"/>
-              <a:t>lost. There is also a timer counting down, however time can be added if the player collects a clock. The blob can get jewels, which up the score on the scoreboard. The portal to the next level spawns when all of the jewels are collected. Once the potion is collected by the player, it boosts the jump for the last jewel to be collected in level one.  In level one, enemies cannot be eliminated. In level two, there are enemies, and once a sword is picked up by the character, the enemies can be eliminated. The jewels all have to be collected for the portal to open to get through to the final world, which ends the game.</a:t>
+              <a:t> is obtained, the game is won. If the player runs out of time or touches the enemy (without the sword) the game will be lost. The game can be played again in a loop if the player simply presses the ‘play again’ button.</a:t>
             </a:r>
             <a:endParaRPr/>
           </a:p>
@@ -8566,13 +8787,6 @@
 <file path=ppt/slides/slide3.xml><?xml version="1.0" encoding="utf-8"?>
 <p:sld xmlns:a="http://schemas.openxmlformats.org/drawingml/2006/main" xmlns:r="http://schemas.openxmlformats.org/officeDocument/2006/relationships" xmlns:mc="http://schemas.openxmlformats.org/markup-compatibility/2006" xmlns:mv="urn:schemas-microsoft-com:mac:vml" xmlns:p="http://schemas.openxmlformats.org/presentationml/2006/main" xmlns:c="http://schemas.openxmlformats.org/drawingml/2006/chart" xmlns:dgm="http://schemas.openxmlformats.org/drawingml/2006/diagram" xmlns:o="urn:schemas-microsoft-com:office:office" xmlns:v="urn:schemas-microsoft-com:vml" xmlns:pvml="urn:schemas-microsoft-com:office:powerpoint" xmlns:com="http://schemas.openxmlformats.org/drawingml/2006/compatibility" xmlns:p14="http://schemas.microsoft.com/office/powerpoint/2010/main" xmlns:p15="http://schemas.microsoft.com/office/powerpoint/2012/main" xmlns:ahyp="http://schemas.microsoft.com/office/drawing/2018/hyperlinkcolor">
   <p:cSld>
-    <p:bg>
-      <p:bgPr>
-        <a:solidFill>
-          <a:schemeClr val="lt1"/>
-        </a:solidFill>
-      </p:bgPr>
-    </p:bg>
     <p:spTree>
       <p:nvGrpSpPr>
         <p:cNvPr id="83" name="Shape 83"/>
@@ -8621,7 +8835,7 @@
             </a:pPr>
             <a:r>
               <a:rPr lang="en"/>
-              <a:t>Platform</a:t>
+              <a:t>Game Instructions</a:t>
             </a:r>
             <a:endParaRPr/>
           </a:p>
@@ -8637,6 +8851,122 @@
         </p:nvSpPr>
         <p:spPr>
           <a:xfrm>
+            <a:off x="2410112" y="1595776"/>
+            <a:ext cx="6321600" cy="3002400"/>
+          </a:xfrm>
+          <a:prstGeom prst="rect">
+            <a:avLst/>
+          </a:prstGeom>
+        </p:spPr>
+        <p:txBody>
+          <a:bodyPr anchorCtr="0" anchor="t" bIns="91425" lIns="91425" spcFirstLastPara="1" rIns="91425" wrap="square" tIns="91425">
+            <a:normAutofit fontScale="77500" lnSpcReduction="10000"/>
+          </a:bodyPr>
+          <a:lstStyle/>
+          <a:p>
+            <a:pPr indent="0" lvl="0" marL="0" rtl="0" algn="l">
+              <a:spcBef>
+                <a:spcPts val="0"/>
+              </a:spcBef>
+              <a:spcAft>
+                <a:spcPts val="1200"/>
+              </a:spcAft>
+              <a:buNone/>
+            </a:pPr>
+            <a:r>
+              <a:rPr lang="en"/>
+              <a:t>The game consists of two main levels. The objective is for the blob to get the biscuit, and to do that he has to get through the levels. In order for the portal to the next level to open, the player must collect all the jewels. In the first level, the player must collect a potion to receive a jump boost, and this way the player can collect all of the jewels. The </a:t>
+            </a:r>
+            <a:r>
+              <a:rPr lang="en"/>
+              <a:t>clocks are for extra time in the game, they add 10 seconds to the game time. In top left of the screen, there is a time and score count. Score count is measured with the number of jewels picked up by the player. Once the time runs out, the player has lost the game. In the second level, the player can pick up the sword to kill enemies, which is not an option in the first level. Once the player has gone through the portal into the last screen and collects a biscuit, the game is over, and the YOU WON screen is displayed, with a choice to play again.</a:t>
+            </a:r>
+            <a:endParaRPr/>
+          </a:p>
+        </p:txBody>
+      </p:sp>
+    </p:spTree>
+  </p:cSld>
+  <p:clrMapOvr>
+    <a:masterClrMapping/>
+  </p:clrMapOvr>
+</p:sld>
+</file>
+
+<file path=ppt/slides/slide4.xml><?xml version="1.0" encoding="utf-8"?>
+<p:sld xmlns:a="http://schemas.openxmlformats.org/drawingml/2006/main" xmlns:r="http://schemas.openxmlformats.org/officeDocument/2006/relationships" xmlns:mc="http://schemas.openxmlformats.org/markup-compatibility/2006" xmlns:mv="urn:schemas-microsoft-com:mac:vml" xmlns:p="http://schemas.openxmlformats.org/presentationml/2006/main" xmlns:c="http://schemas.openxmlformats.org/drawingml/2006/chart" xmlns:dgm="http://schemas.openxmlformats.org/drawingml/2006/diagram" xmlns:o="urn:schemas-microsoft-com:office:office" xmlns:v="urn:schemas-microsoft-com:vml" xmlns:pvml="urn:schemas-microsoft-com:office:powerpoint" xmlns:com="http://schemas.openxmlformats.org/drawingml/2006/compatibility" xmlns:p14="http://schemas.microsoft.com/office/powerpoint/2010/main" xmlns:p15="http://schemas.microsoft.com/office/powerpoint/2012/main" xmlns:ahyp="http://schemas.microsoft.com/office/drawing/2018/hyperlinkcolor">
+  <p:cSld>
+    <p:bg>
+      <p:bgPr>
+        <a:solidFill>
+          <a:schemeClr val="lt1"/>
+        </a:solidFill>
+      </p:bgPr>
+    </p:bg>
+    <p:spTree>
+      <p:nvGrpSpPr>
+        <p:cNvPr id="89" name="Shape 89"/>
+        <p:cNvGrpSpPr/>
+        <p:nvPr/>
+      </p:nvGrpSpPr>
+      <p:grpSpPr>
+        <a:xfrm>
+          <a:off x="0" y="0"/>
+          <a:ext cx="0" cy="0"/>
+          <a:chOff x="0" y="0"/>
+          <a:chExt cx="0" cy="0"/>
+        </a:xfrm>
+      </p:grpSpPr>
+      <p:sp>
+        <p:nvSpPr>
+          <p:cNvPr id="90" name="Google Shape;90;p16"/>
+          <p:cNvSpPr txBox="1"/>
+          <p:nvPr>
+            <p:ph type="title"/>
+          </p:nvPr>
+        </p:nvSpPr>
+        <p:spPr>
+          <a:xfrm>
+            <a:off x="2400250" y="575950"/>
+            <a:ext cx="6321600" cy="635400"/>
+          </a:xfrm>
+          <a:prstGeom prst="rect">
+            <a:avLst/>
+          </a:prstGeom>
+        </p:spPr>
+        <p:txBody>
+          <a:bodyPr anchorCtr="0" anchor="t" bIns="91425" lIns="91425" spcFirstLastPara="1" rIns="91425" wrap="square" tIns="91425">
+            <a:normAutofit fontScale="90000"/>
+          </a:bodyPr>
+          <a:lstStyle/>
+          <a:p>
+            <a:pPr indent="0" lvl="0" marL="0" rtl="0" algn="l">
+              <a:spcBef>
+                <a:spcPts val="0"/>
+              </a:spcBef>
+              <a:spcAft>
+                <a:spcPts val="0"/>
+              </a:spcAft>
+              <a:buNone/>
+            </a:pPr>
+            <a:r>
+              <a:rPr lang="en"/>
+              <a:t>Platform</a:t>
+            </a:r>
+            <a:endParaRPr/>
+          </a:p>
+        </p:txBody>
+      </p:sp>
+      <p:sp>
+        <p:nvSpPr>
+          <p:cNvPr id="91" name="Google Shape;91;p16"/>
+          <p:cNvSpPr txBox="1"/>
+          <p:nvPr>
+            <p:ph idx="1" type="body"/>
+          </p:nvPr>
+        </p:nvSpPr>
+        <p:spPr>
+          <a:xfrm>
             <a:off x="2410100" y="1278875"/>
             <a:ext cx="6321600" cy="3319200"/>
           </a:xfrm>
@@ -8689,7 +9019,7 @@
       </p:sp>
       <p:pic>
         <p:nvPicPr>
-          <p:cNvPr id="86" name="Google Shape;86;p15"/>
+          <p:cNvPr id="92" name="Google Shape;92;p16"/>
           <p:cNvPicPr preferRelativeResize="0"/>
           <p:nvPr/>
         </p:nvPicPr>
@@ -8705,139 +9035,6 @@
           <a:xfrm>
             <a:off x="111871" y="3586677"/>
             <a:ext cx="2120875" cy="1011494"/>
-          </a:xfrm>
-          <a:prstGeom prst="rect">
-            <a:avLst/>
-          </a:prstGeom>
-          <a:noFill/>
-          <a:ln>
-            <a:noFill/>
-          </a:ln>
-        </p:spPr>
-      </p:pic>
-    </p:spTree>
-  </p:cSld>
-  <p:clrMapOvr>
-    <a:masterClrMapping/>
-  </p:clrMapOvr>
-</p:sld>
-</file>
-
-<file path=ppt/slides/slide4.xml><?xml version="1.0" encoding="utf-8"?>
-<p:sld xmlns:a="http://schemas.openxmlformats.org/drawingml/2006/main" xmlns:r="http://schemas.openxmlformats.org/officeDocument/2006/relationships" xmlns:mc="http://schemas.openxmlformats.org/markup-compatibility/2006" xmlns:mv="urn:schemas-microsoft-com:mac:vml" xmlns:p="http://schemas.openxmlformats.org/presentationml/2006/main" xmlns:c="http://schemas.openxmlformats.org/drawingml/2006/chart" xmlns:dgm="http://schemas.openxmlformats.org/drawingml/2006/diagram" xmlns:o="urn:schemas-microsoft-com:office:office" xmlns:v="urn:schemas-microsoft-com:vml" xmlns:pvml="urn:schemas-microsoft-com:office:powerpoint" xmlns:com="http://schemas.openxmlformats.org/drawingml/2006/compatibility" xmlns:p14="http://schemas.microsoft.com/office/powerpoint/2010/main" xmlns:p15="http://schemas.microsoft.com/office/powerpoint/2012/main" xmlns:ahyp="http://schemas.microsoft.com/office/drawing/2018/hyperlinkcolor">
-  <p:cSld>
-    <p:spTree>
-      <p:nvGrpSpPr>
-        <p:cNvPr id="90" name="Shape 90"/>
-        <p:cNvGrpSpPr/>
-        <p:nvPr/>
-      </p:nvGrpSpPr>
-      <p:grpSpPr>
-        <a:xfrm>
-          <a:off x="0" y="0"/>
-          <a:ext cx="0" cy="0"/>
-          <a:chOff x="0" y="0"/>
-          <a:chExt cx="0" cy="0"/>
-        </a:xfrm>
-      </p:grpSpPr>
-      <p:sp>
-        <p:nvSpPr>
-          <p:cNvPr id="91" name="Google Shape;91;p16"/>
-          <p:cNvSpPr txBox="1"/>
-          <p:nvPr>
-            <p:ph type="title"/>
-          </p:nvPr>
-        </p:nvSpPr>
-        <p:spPr>
-          <a:xfrm>
-            <a:off x="2410100" y="548900"/>
-            <a:ext cx="6321600" cy="635400"/>
-          </a:xfrm>
-          <a:prstGeom prst="rect">
-            <a:avLst/>
-          </a:prstGeom>
-        </p:spPr>
-        <p:txBody>
-          <a:bodyPr anchorCtr="0" anchor="t" bIns="91425" lIns="91425" spcFirstLastPara="1" rIns="91425" wrap="square" tIns="91425">
-            <a:normAutofit fontScale="90000"/>
-          </a:bodyPr>
-          <a:lstStyle/>
-          <a:p>
-            <a:pPr indent="0" lvl="0" marL="0" rtl="0" algn="l">
-              <a:spcBef>
-                <a:spcPts val="0"/>
-              </a:spcBef>
-              <a:spcAft>
-                <a:spcPts val="0"/>
-              </a:spcAft>
-              <a:buNone/>
-            </a:pPr>
-            <a:r>
-              <a:rPr lang="en"/>
-              <a:t>Initial Design </a:t>
-            </a:r>
-            <a:endParaRPr/>
-          </a:p>
-        </p:txBody>
-      </p:sp>
-      <p:sp>
-        <p:nvSpPr>
-          <p:cNvPr id="92" name="Google Shape;92;p16"/>
-          <p:cNvSpPr txBox="1"/>
-          <p:nvPr>
-            <p:ph idx="1" type="body"/>
-          </p:nvPr>
-        </p:nvSpPr>
-        <p:spPr>
-          <a:xfrm>
-            <a:off x="2410100" y="1349950"/>
-            <a:ext cx="1370400" cy="3276600"/>
-          </a:xfrm>
-          <a:prstGeom prst="rect">
-            <a:avLst/>
-          </a:prstGeom>
-        </p:spPr>
-        <p:txBody>
-          <a:bodyPr anchorCtr="0" anchor="t" bIns="91425" lIns="91425" spcFirstLastPara="1" rIns="91425" wrap="square" tIns="91425">
-            <a:normAutofit lnSpcReduction="20000"/>
-          </a:bodyPr>
-          <a:lstStyle/>
-          <a:p>
-            <a:pPr indent="0" lvl="0" marL="0" rtl="0" algn="l">
-              <a:spcBef>
-                <a:spcPts val="0"/>
-              </a:spcBef>
-              <a:spcAft>
-                <a:spcPts val="1200"/>
-              </a:spcAft>
-              <a:buNone/>
-            </a:pPr>
-            <a:r>
-              <a:rPr lang="en"/>
-              <a:t>Rough idea for levels, level 1 &amp; 2, the ‘win’ and ‘game over’ screen, with the button to play the game again. </a:t>
-            </a:r>
-            <a:endParaRPr/>
-          </a:p>
-        </p:txBody>
-      </p:sp>
-      <p:pic>
-        <p:nvPicPr>
-          <p:cNvPr id="93" name="Google Shape;93;p16"/>
-          <p:cNvPicPr preferRelativeResize="0"/>
-          <p:nvPr/>
-        </p:nvPicPr>
-        <p:blipFill>
-          <a:blip r:embed="rId3">
-            <a:alphaModFix/>
-          </a:blip>
-          <a:stretch>
-            <a:fillRect/>
-          </a:stretch>
-        </p:blipFill>
-        <p:spPr>
-          <a:xfrm>
-            <a:off x="3943302" y="1349950"/>
-            <a:ext cx="4904074" cy="3276526"/>
           </a:xfrm>
           <a:prstGeom prst="rect">
             <a:avLst/>
@@ -8861,7 +9058,7 @@
   <p:cSld>
     <p:spTree>
       <p:nvGrpSpPr>
-        <p:cNvPr id="97" name="Shape 97"/>
+        <p:cNvPr id="96" name="Shape 96"/>
         <p:cNvGrpSpPr/>
         <p:nvPr/>
       </p:nvGrpSpPr>
@@ -8875,7 +9072,7 @@
       </p:grpSpPr>
       <p:sp>
         <p:nvSpPr>
-          <p:cNvPr id="98" name="Google Shape;98;p17"/>
+          <p:cNvPr id="97" name="Google Shape;97;p17"/>
           <p:cNvSpPr txBox="1"/>
           <p:nvPr>
             <p:ph type="title"/>
@@ -8883,7 +9080,7 @@
         </p:nvSpPr>
         <p:spPr>
           <a:xfrm>
-            <a:off x="2400250" y="575950"/>
+            <a:off x="2410100" y="548900"/>
             <a:ext cx="6321600" cy="635400"/>
           </a:xfrm>
           <a:prstGeom prst="rect">
@@ -8907,7 +9104,7 @@
             </a:pPr>
             <a:r>
               <a:rPr lang="en"/>
-              <a:t>Graphics</a:t>
+              <a:t>Initial Design </a:t>
             </a:r>
             <a:endParaRPr/>
           </a:p>
@@ -8915,7 +9112,7 @@
       </p:sp>
       <p:sp>
         <p:nvSpPr>
-          <p:cNvPr id="99" name="Google Shape;99;p17"/>
+          <p:cNvPr id="98" name="Google Shape;98;p17"/>
           <p:cNvSpPr txBox="1"/>
           <p:nvPr>
             <p:ph idx="1" type="body"/>
@@ -8923,8 +9120,8 @@
         </p:nvSpPr>
         <p:spPr>
           <a:xfrm>
-            <a:off x="2410112" y="1595776"/>
-            <a:ext cx="6321600" cy="3002400"/>
+            <a:off x="2410100" y="1349950"/>
+            <a:ext cx="1370400" cy="3276600"/>
           </a:xfrm>
           <a:prstGeom prst="rect">
             <a:avLst/>
@@ -8932,7 +9129,7 @@
         </p:spPr>
         <p:txBody>
           <a:bodyPr anchorCtr="0" anchor="t" bIns="91425" lIns="91425" spcFirstLastPara="1" rIns="91425" wrap="square" tIns="91425">
-            <a:normAutofit/>
+            <a:normAutofit lnSpcReduction="20000"/>
           </a:bodyPr>
           <a:lstStyle/>
           <a:p>
@@ -8941,50 +9138,46 @@
                 <a:spcPts val="0"/>
               </a:spcBef>
               <a:spcAft>
-                <a:spcPts val="0"/>
+                <a:spcPts val="1200"/>
               </a:spcAft>
               <a:buNone/>
             </a:pPr>
             <a:r>
               <a:rPr lang="en"/>
-              <a:t>All of the graphics used in the game are from ‘opengameart.org’ website, which allows users to download different graphics which then can be used for them all copyright free, as long as it is for non-profit purposes.</a:t>
-            </a:r>
-            <a:endParaRPr/>
-          </a:p>
-          <a:p>
-            <a:pPr indent="0" lvl="0" marL="0" rtl="0" algn="l">
-              <a:spcBef>
-                <a:spcPts val="1200"/>
-              </a:spcBef>
-              <a:spcAft>
-                <a:spcPts val="0"/>
-              </a:spcAft>
-              <a:buNone/>
-            </a:pPr>
-            <a:r>
-              <a:rPr lang="en"/>
-              <a:t>Other graphics were created by the group members or used from the Greenfoot provided graphics.</a:t>
-            </a:r>
-            <a:endParaRPr/>
-          </a:p>
-          <a:p>
-            <a:pPr indent="0" lvl="0" marL="0" rtl="0" algn="l">
-              <a:spcBef>
-                <a:spcPts val="1200"/>
-              </a:spcBef>
-              <a:spcAft>
-                <a:spcPts val="1200"/>
-              </a:spcAft>
-              <a:buNone/>
-            </a:pPr>
-            <a:r>
-              <a:rPr lang="en"/>
-              <a:t>Some of the initial designs might be changed in the end result.</a:t>
+              <a:t>Rough idea for levels, level 1 &amp; 2, the ‘win’ and ‘game over’ screen, with the button to play the game again. </a:t>
             </a:r>
             <a:endParaRPr/>
           </a:p>
         </p:txBody>
       </p:sp>
+      <p:pic>
+        <p:nvPicPr>
+          <p:cNvPr id="99" name="Google Shape;99;p17"/>
+          <p:cNvPicPr preferRelativeResize="0"/>
+          <p:nvPr/>
+        </p:nvPicPr>
+        <p:blipFill>
+          <a:blip r:embed="rId3">
+            <a:alphaModFix/>
+          </a:blip>
+          <a:stretch>
+            <a:fillRect/>
+          </a:stretch>
+        </p:blipFill>
+        <p:spPr>
+          <a:xfrm>
+            <a:off x="3943302" y="1349950"/>
+            <a:ext cx="4904074" cy="3276526"/>
+          </a:xfrm>
+          <a:prstGeom prst="rect">
+            <a:avLst/>
+          </a:prstGeom>
+          <a:noFill/>
+          <a:ln>
+            <a:noFill/>
+          </a:ln>
+        </p:spPr>
+      </p:pic>
     </p:spTree>
   </p:cSld>
   <p:clrMapOvr>
@@ -9044,7 +9237,7 @@
             </a:pPr>
             <a:r>
               <a:rPr lang="en"/>
-              <a:t>Design Considerations</a:t>
+              <a:t>Graphics</a:t>
             </a:r>
             <a:endParaRPr/>
           </a:p>
@@ -9069,7 +9262,7 @@
         </p:spPr>
         <p:txBody>
           <a:bodyPr anchorCtr="0" anchor="t" bIns="91425" lIns="91425" spcFirstLastPara="1" rIns="91425" wrap="square" tIns="91425">
-            <a:normAutofit fontScale="92500" lnSpcReduction="10000"/>
+            <a:normAutofit/>
           </a:bodyPr>
           <a:lstStyle/>
           <a:p>
@@ -9080,20 +9273,11 @@
               <a:spcAft>
                 <a:spcPts val="0"/>
               </a:spcAft>
-              <a:buClr>
-                <a:schemeClr val="dk2"/>
-              </a:buClr>
-              <a:buSzPct val="61111"/>
-              <a:buFont typeface="Arial"/>
               <a:buNone/>
             </a:pPr>
             <a:r>
               <a:rPr lang="en"/>
-              <a:t>Prior to coding, all of the classes which were needed for this project had to be identified. The classes used in coding of this game can be found in the following slide - slide 7 . All of the classes and attributes and behaviours were planned out before creating the game. We knew we would need a class for a main character. This class would need to have variables which could be changed from outside the class. For example the  jumpStrength variable </a:t>
-            </a:r>
-            <a:r>
-              <a:rPr lang="en"/>
-              <a:t>which determines how high the character can jump. This was changed when the Potion is picked up.</a:t>
+              <a:t>All of the graphics used in the game are from ‘opengameart.org’ website, which allows users to download different graphics which then can be used for them all copyright free, as long as it is for non-profit purposes.</a:t>
             </a:r>
             <a:endParaRPr/>
           </a:p>
@@ -9103,12 +9287,29 @@
                 <a:spcPts val="1200"/>
               </a:spcBef>
               <a:spcAft>
-                <a:spcPts val="1200"/>
+                <a:spcPts val="0"/>
               </a:spcAft>
               <a:buNone/>
             </a:pPr>
             <a:r>
-              <a:t/>
+              <a:rPr lang="en"/>
+              <a:t>Other graphics were created by the group members or used from the Greenfoot provided graphics. All of the sound effects in the game is also copyright free.</a:t>
+            </a:r>
+            <a:endParaRPr/>
+          </a:p>
+          <a:p>
+            <a:pPr indent="0" lvl="0" marL="0" rtl="0" algn="l">
+              <a:spcBef>
+                <a:spcPts val="1200"/>
+              </a:spcBef>
+              <a:spcAft>
+                <a:spcPts val="1200"/>
+              </a:spcAft>
+              <a:buNone/>
+            </a:pPr>
+            <a:r>
+              <a:rPr lang="en"/>
+              <a:t>Some of the initial designs might be changed in the end result.</a:t>
             </a:r>
             <a:endParaRPr/>
           </a:p>
@@ -9198,7 +9399,7 @@
         </p:spPr>
         <p:txBody>
           <a:bodyPr anchorCtr="0" anchor="t" bIns="91425" lIns="91425" spcFirstLastPara="1" rIns="91425" wrap="square" tIns="91425">
-            <a:normAutofit/>
+            <a:normAutofit fontScale="92500" lnSpcReduction="10000"/>
           </a:bodyPr>
           <a:lstStyle/>
           <a:p>
@@ -9209,32 +9410,20 @@
               <a:spcAft>
                 <a:spcPts val="0"/>
               </a:spcAft>
+              <a:buClr>
+                <a:schemeClr val="dk2"/>
+              </a:buClr>
+              <a:buSzPct val="61111"/>
+              <a:buFont typeface="Arial"/>
               <a:buNone/>
             </a:pPr>
             <a:r>
               <a:rPr lang="en"/>
-              <a:t>-What preparation was made before coding? Which classes were identified any why?</a:t>
+              <a:t>Prior to coding, all of the classes which were needed for this project had to be identified. The classes used in coding of this game can be found in the following slide - slide 7 . All of the classes and attributes and behaviours were planned out before creating the game. We knew we would need a class for a main character. This class would need to have variables which could be changed from outside the class. For example the  jumpStrength variable </a:t>
             </a:r>
-            <a:endParaRPr/>
-          </a:p>
-          <a:p>
-            <a:pPr indent="0" lvl="0" marL="0" rtl="0" algn="l">
-              <a:spcBef>
-                <a:spcPts val="1200"/>
-              </a:spcBef>
-              <a:spcAft>
-                <a:spcPts val="0"/>
-              </a:spcAft>
-              <a:buClr>
-                <a:schemeClr val="dk2"/>
-              </a:buClr>
-              <a:buSzPts val="1100"/>
-              <a:buFont typeface="Arial"/>
-              <a:buNone/>
-            </a:pPr>
             <a:r>
               <a:rPr lang="en"/>
-              <a:t>Provide an overview of the classes in your project and what the key attributes and behaviours are.</a:t>
+              <a:t>which determines how high the character can jump. This was changed when the Potion is picked up.</a:t>
             </a:r>
             <a:endParaRPr/>
           </a:p>
@@ -9255,34 +9444,6 @@
           </a:p>
         </p:txBody>
       </p:sp>
-      <p:pic>
-        <p:nvPicPr>
-          <p:cNvPr id="112" name="Google Shape;112;p19"/>
-          <p:cNvPicPr preferRelativeResize="0"/>
-          <p:nvPr/>
-        </p:nvPicPr>
-        <p:blipFill>
-          <a:blip r:embed="rId3">
-            <a:alphaModFix/>
-          </a:blip>
-          <a:stretch>
-            <a:fillRect/>
-          </a:stretch>
-        </p:blipFill>
-        <p:spPr>
-          <a:xfrm>
-            <a:off x="1005425" y="478486"/>
-            <a:ext cx="8043177" cy="4186526"/>
-          </a:xfrm>
-          <a:prstGeom prst="rect">
-            <a:avLst/>
-          </a:prstGeom>
-          <a:noFill/>
-          <a:ln>
-            <a:noFill/>
-          </a:ln>
-        </p:spPr>
-      </p:pic>
     </p:spTree>
   </p:cSld>
   <p:clrMapOvr>
@@ -9296,7 +9457,7 @@
   <p:cSld>
     <p:spTree>
       <p:nvGrpSpPr>
-        <p:cNvPr id="116" name="Shape 116"/>
+        <p:cNvPr id="115" name="Shape 115"/>
         <p:cNvGrpSpPr/>
         <p:nvPr/>
       </p:nvGrpSpPr>
@@ -9310,7 +9471,7 @@
       </p:grpSpPr>
       <p:sp>
         <p:nvSpPr>
-          <p:cNvPr id="117" name="Google Shape;117;p20"/>
+          <p:cNvPr id="116" name="Google Shape;116;p20"/>
           <p:cNvSpPr txBox="1"/>
           <p:nvPr>
             <p:ph type="title"/>
@@ -9342,7 +9503,7 @@
             </a:pPr>
             <a:r>
               <a:rPr lang="en"/>
-              <a:t>Game Development</a:t>
+              <a:t>Design Considerations</a:t>
             </a:r>
             <a:endParaRPr/>
           </a:p>
@@ -9350,7 +9511,7 @@
       </p:sp>
       <p:sp>
         <p:nvSpPr>
-          <p:cNvPr id="118" name="Google Shape;118;p20"/>
+          <p:cNvPr id="117" name="Google Shape;117;p20"/>
           <p:cNvSpPr txBox="1"/>
           <p:nvPr>
             <p:ph idx="1" type="body"/>
@@ -9358,8 +9519,8 @@
         </p:nvSpPr>
         <p:spPr>
           <a:xfrm>
-            <a:off x="2410100" y="1405900"/>
-            <a:ext cx="6321600" cy="3192300"/>
+            <a:off x="2410112" y="1595776"/>
+            <a:ext cx="6321600" cy="3002400"/>
           </a:xfrm>
           <a:prstGeom prst="rect">
             <a:avLst/>
@@ -9367,7 +9528,7 @@
         </p:spPr>
         <p:txBody>
           <a:bodyPr anchorCtr="0" anchor="t" bIns="91425" lIns="91425" spcFirstLastPara="1" rIns="91425" wrap="square" tIns="91425">
-            <a:normAutofit lnSpcReduction="10000"/>
+            <a:normAutofit/>
           </a:bodyPr>
           <a:lstStyle/>
           <a:p>
@@ -9376,22 +9537,82 @@
                 <a:spcPts val="0"/>
               </a:spcBef>
               <a:spcAft>
-                <a:spcPts val="1200"/>
+                <a:spcPts val="0"/>
               </a:spcAft>
               <a:buNone/>
             </a:pPr>
             <a:r>
               <a:rPr lang="en"/>
-              <a:t>One of the </a:t>
+              <a:t>-What preparation was made before coding? Which classes were identified any why?</a:t>
             </a:r>
+            <a:endParaRPr/>
+          </a:p>
+          <a:p>
+            <a:pPr indent="0" lvl="0" marL="0" rtl="0" algn="l">
+              <a:spcBef>
+                <a:spcPts val="1200"/>
+              </a:spcBef>
+              <a:spcAft>
+                <a:spcPts val="0"/>
+              </a:spcAft>
+              <a:buClr>
+                <a:schemeClr val="dk2"/>
+              </a:buClr>
+              <a:buSzPts val="1100"/>
+              <a:buFont typeface="Arial"/>
+              <a:buNone/>
+            </a:pPr>
             <a:r>
               <a:rPr lang="en"/>
-              <a:t>biggest issue encountered was the platforms. It became a great challenge to make them solid from all angles. After a few tutorials the platforms were finally able to be rigid from all sides and even improved with movement meaning the platforms could themselves be used as obstacles. Spikes and live hearts were added as actors for the game, however with the time limit we had those were not used in the actual game. With more time given, there would be more levels added and more actors and obstructions in border to make the game more entertaining. </a:t>
+              <a:t>Provide an overview of the classes in your project and what the key attributes and behaviours are.</a:t>
+            </a:r>
+            <a:endParaRPr/>
+          </a:p>
+          <a:p>
+            <a:pPr indent="0" lvl="0" marL="0" rtl="0" algn="l">
+              <a:spcBef>
+                <a:spcPts val="1200"/>
+              </a:spcBef>
+              <a:spcAft>
+                <a:spcPts val="1200"/>
+              </a:spcAft>
+              <a:buNone/>
+            </a:pPr>
+            <a:r>
+              <a:t/>
             </a:r>
             <a:endParaRPr/>
           </a:p>
         </p:txBody>
       </p:sp>
+      <p:pic>
+        <p:nvPicPr>
+          <p:cNvPr id="118" name="Google Shape;118;p20"/>
+          <p:cNvPicPr preferRelativeResize="0"/>
+          <p:nvPr/>
+        </p:nvPicPr>
+        <p:blipFill>
+          <a:blip r:embed="rId3">
+            <a:alphaModFix/>
+          </a:blip>
+          <a:stretch>
+            <a:fillRect/>
+          </a:stretch>
+        </p:blipFill>
+        <p:spPr>
+          <a:xfrm>
+            <a:off x="1005425" y="478486"/>
+            <a:ext cx="8043177" cy="4186526"/>
+          </a:xfrm>
+          <a:prstGeom prst="rect">
+            <a:avLst/>
+          </a:prstGeom>
+          <a:noFill/>
+          <a:ln>
+            <a:noFill/>
+          </a:ln>
+        </p:spPr>
+      </p:pic>
     </p:spTree>
   </p:cSld>
   <p:clrMapOvr>
@@ -9451,7 +9672,7 @@
             </a:pPr>
             <a:r>
               <a:rPr lang="en"/>
-              <a:t>Game Screen</a:t>
+              <a:t>Game Development</a:t>
             </a:r>
             <a:endParaRPr/>
           </a:p>
@@ -9466,9 +9687,9 @@
           </p:nvPr>
         </p:nvSpPr>
         <p:spPr>
-          <a:xfrm flipH="1">
-            <a:off x="400100" y="1337300"/>
-            <a:ext cx="2010000" cy="3407100"/>
+          <a:xfrm>
+            <a:off x="2410100" y="1405900"/>
+            <a:ext cx="6321600" cy="3192300"/>
           </a:xfrm>
           <a:prstGeom prst="rect">
             <a:avLst/>
@@ -9476,7 +9697,7 @@
         </p:spPr>
         <p:txBody>
           <a:bodyPr anchorCtr="0" anchor="t" bIns="91425" lIns="91425" spcFirstLastPara="1" rIns="91425" wrap="square" tIns="91425">
-            <a:normAutofit fontScale="92500" lnSpcReduction="10000"/>
+            <a:normAutofit lnSpcReduction="10000"/>
           </a:bodyPr>
           <a:lstStyle/>
           <a:p>
@@ -9491,40 +9712,16 @@
             </a:pPr>
             <a:r>
               <a:rPr lang="en"/>
-              <a:t>The game screen was created for the game to look more presentable and professional, with some graphics used in the game. As the user presses anywhere on the screen the game will play from level one.</a:t>
+              <a:t>One of the </a:t>
+            </a:r>
+            <a:r>
+              <a:rPr lang="en"/>
+              <a:t>biggest issue encountered was the platforms. It became a great challenge to make them solid from all angles. After a few tutorials the platforms were finally able to be rigid from all sides and even improved with movement meaning the platforms could themselves be used as obstacles. Spikes and live hearts were added as actors for the game, however with the time limit we had those were not used in the actual game. With more time given, there would be more levels added and more actors and obstructions in border to make the game more entertaining. </a:t>
             </a:r>
             <a:endParaRPr/>
           </a:p>
         </p:txBody>
       </p:sp>
-      <p:pic>
-        <p:nvPicPr>
-          <p:cNvPr id="125" name="Google Shape;125;p21"/>
-          <p:cNvPicPr preferRelativeResize="0"/>
-          <p:nvPr/>
-        </p:nvPicPr>
-        <p:blipFill>
-          <a:blip r:embed="rId3">
-            <a:alphaModFix/>
-          </a:blip>
-          <a:stretch>
-            <a:fillRect/>
-          </a:stretch>
-        </p:blipFill>
-        <p:spPr>
-          <a:xfrm>
-            <a:off x="3078925" y="1117100"/>
-            <a:ext cx="4534188" cy="3627350"/>
-          </a:xfrm>
-          <a:prstGeom prst="rect">
-            <a:avLst/>
-          </a:prstGeom>
-          <a:noFill/>
-          <a:ln>
-            <a:noFill/>
-          </a:ln>
-        </p:spPr>
-      </p:pic>
     </p:spTree>
   </p:cSld>
   <p:clrMapOvr>
@@ -9534,6 +9731,285 @@
 </file>
 
 <file path=ppt/theme/theme1.xml><?xml version="1.0" encoding="utf-8"?>
+<a:theme xmlns:a="http://schemas.openxmlformats.org/drawingml/2006/main" xmlns:r="http://schemas.openxmlformats.org/officeDocument/2006/relationships">
+  <a:themeElements>
+    <a:clrScheme name="Default">
+      <a:dk1>
+        <a:srgbClr val="000000"/>
+      </a:dk1>
+      <a:lt1>
+        <a:srgbClr val="FFFFFF"/>
+      </a:lt1>
+      <a:dk2>
+        <a:srgbClr val="158158"/>
+      </a:dk2>
+      <a:lt2>
+        <a:srgbClr val="F3F3F3"/>
+      </a:lt2>
+      <a:accent1>
+        <a:srgbClr val="058DC7"/>
+      </a:accent1>
+      <a:accent2>
+        <a:srgbClr val="50B432"/>
+      </a:accent2>
+      <a:accent3>
+        <a:srgbClr val="ED561B"/>
+      </a:accent3>
+      <a:accent4>
+        <a:srgbClr val="EDEF00"/>
+      </a:accent4>
+      <a:accent5>
+        <a:srgbClr val="24CBE5"/>
+      </a:accent5>
+      <a:accent6>
+        <a:srgbClr val="64E572"/>
+      </a:accent6>
+      <a:hlink>
+        <a:srgbClr val="2200CC"/>
+      </a:hlink>
+      <a:folHlink>
+        <a:srgbClr val="551A8B"/>
+      </a:folHlink>
+    </a:clrScheme>
+    <a:fontScheme name="Office">
+      <a:majorFont>
+        <a:latin typeface="Arial"/>
+        <a:ea typeface=""/>
+        <a:cs typeface=""/>
+        <a:font script="Jpan" typeface="ＭＳ Ｐゴシック"/>
+        <a:font script="Hang" typeface="맑은 고딕"/>
+        <a:font script="Hans" typeface="宋体"/>
+        <a:font script="Hant" typeface="新細明體"/>
+        <a:font script="Arab" typeface="Times New Roman"/>
+        <a:font script="Hebr" typeface="Times New Roman"/>
+        <a:font script="Thai" typeface="Angsana New"/>
+        <a:font script="Ethi" typeface="Nyala"/>
+        <a:font script="Beng" typeface="Vrinda"/>
+        <a:font script="Gujr" typeface="Shruti"/>
+        <a:font script="Khmr" typeface="MoolBoran"/>
+        <a:font script="Knda" typeface="Tunga"/>
+        <a:font script="Guru" typeface="Raavi"/>
+        <a:font script="Cans" typeface="Euphemia"/>
+        <a:font script="Cher" typeface="Plantagenet Cherokee"/>
+        <a:font script="Yiii" typeface="Microsoft Yi Baiti"/>
+        <a:font script="Tibt" typeface="Microsoft Himalaya"/>
+        <a:font script="Thaa" typeface="MV Boli"/>
+        <a:font script="Deva" typeface="Mangal"/>
+        <a:font script="Telu" typeface="Gautami"/>
+        <a:font script="Taml" typeface="Latha"/>
+        <a:font script="Syrc" typeface="Estrangelo Edessa"/>
+        <a:font script="Orya" typeface="Kalinga"/>
+        <a:font script="Mlym" typeface="Kartika"/>
+        <a:font script="Laoo" typeface="DokChampa"/>
+        <a:font script="Sinh" typeface="Iskoola Pota"/>
+        <a:font script="Mong" typeface="Mongolian Baiti"/>
+        <a:font script="Viet" typeface="Times New Roman"/>
+        <a:font script="Uigh" typeface="Microsoft Uighur"/>
+        <a:font script="Geor" typeface="Sylfaen"/>
+      </a:majorFont>
+      <a:minorFont>
+        <a:latin typeface="Arial"/>
+        <a:ea typeface=""/>
+        <a:cs typeface=""/>
+        <a:font script="Jpan" typeface="ＭＳ Ｐゴシック"/>
+        <a:font script="Hang" typeface="맑은 고딕"/>
+        <a:font script="Hans" typeface="宋体"/>
+        <a:font script="Hant" typeface="新細明體"/>
+        <a:font script="Arab" typeface="Arial"/>
+        <a:font script="Hebr" typeface="Arial"/>
+        <a:font script="Thai" typeface="Cordia New"/>
+        <a:font script="Ethi" typeface="Nyala"/>
+        <a:font script="Beng" typeface="Vrinda"/>
+        <a:font script="Gujr" typeface="Shruti"/>
+        <a:font script="Khmr" typeface="DaunPenh"/>
+        <a:font script="Knda" typeface="Tunga"/>
+        <a:font script="Guru" typeface="Raavi"/>
+        <a:font script="Cans" typeface="Euphemia"/>
+        <a:font script="Cher" typeface="Plantagenet Cherokee"/>
+        <a:font script="Yiii" typeface="Microsoft Yi Baiti"/>
+        <a:font script="Tibt" typeface="Microsoft Himalaya"/>
+        <a:font script="Thaa" typeface="MV Boli"/>
+        <a:font script="Deva" typeface="Mangal"/>
+        <a:font script="Telu" typeface="Gautami"/>
+        <a:font script="Taml" typeface="Latha"/>
+        <a:font script="Syrc" typeface="Estrangelo Edessa"/>
+        <a:font script="Orya" typeface="Kalinga"/>
+        <a:font script="Mlym" typeface="Kartika"/>
+        <a:font script="Laoo" typeface="DokChampa"/>
+        <a:font script="Sinh" typeface="Iskoola Pota"/>
+        <a:font script="Mong" typeface="Mongolian Baiti"/>
+        <a:font script="Viet" typeface="Arial"/>
+        <a:font script="Uigh" typeface="Microsoft Uighur"/>
+        <a:font script="Geor" typeface="Sylfaen"/>
+      </a:minorFont>
+    </a:fontScheme>
+    <a:fmtScheme name="Office">
+      <a:fillStyleLst>
+        <a:solidFill>
+          <a:schemeClr val="phClr"/>
+        </a:solidFill>
+        <a:gradFill rotWithShape="1">
+          <a:gsLst>
+            <a:gs pos="0">
+              <a:schemeClr val="phClr">
+                <a:tint val="50000"/>
+                <a:satMod val="300000"/>
+              </a:schemeClr>
+            </a:gs>
+            <a:gs pos="35000">
+              <a:schemeClr val="phClr">
+                <a:tint val="37000"/>
+                <a:satMod val="300000"/>
+              </a:schemeClr>
+            </a:gs>
+            <a:gs pos="100000">
+              <a:schemeClr val="phClr">
+                <a:tint val="15000"/>
+                <a:satMod val="350000"/>
+              </a:schemeClr>
+            </a:gs>
+          </a:gsLst>
+          <a:lin ang="16200000" scaled="1"/>
+        </a:gradFill>
+        <a:gradFill rotWithShape="1">
+          <a:gsLst>
+            <a:gs pos="0">
+              <a:schemeClr val="phClr">
+                <a:tint val="100000"/>
+                <a:shade val="100000"/>
+                <a:satMod val="130000"/>
+              </a:schemeClr>
+            </a:gs>
+            <a:gs pos="100000">
+              <a:schemeClr val="phClr">
+                <a:tint val="50000"/>
+                <a:shade val="100000"/>
+                <a:satMod val="350000"/>
+              </a:schemeClr>
+            </a:gs>
+          </a:gsLst>
+          <a:lin ang="16200000" scaled="0"/>
+        </a:gradFill>
+      </a:fillStyleLst>
+      <a:lnStyleLst>
+        <a:ln w="9525" cap="flat" cmpd="sng" algn="ctr">
+          <a:solidFill>
+            <a:schemeClr val="phClr">
+              <a:shade val="95000"/>
+              <a:satMod val="105000"/>
+            </a:schemeClr>
+          </a:solidFill>
+          <a:prstDash val="solid"/>
+        </a:ln>
+        <a:ln w="25400" cap="flat" cmpd="sng" algn="ctr">
+          <a:solidFill>
+            <a:schemeClr val="phClr"/>
+          </a:solidFill>
+          <a:prstDash val="solid"/>
+        </a:ln>
+        <a:ln w="38100" cap="flat" cmpd="sng" algn="ctr">
+          <a:solidFill>
+            <a:schemeClr val="phClr"/>
+          </a:solidFill>
+          <a:prstDash val="solid"/>
+        </a:ln>
+      </a:lnStyleLst>
+      <a:effectStyleLst>
+        <a:effectStyle>
+          <a:effectLst>
+            <a:outerShdw blurRad="40000" dist="20000" dir="5400000" rotWithShape="0">
+              <a:srgbClr val="000000">
+                <a:alpha val="38000"/>
+              </a:srgbClr>
+            </a:outerShdw>
+          </a:effectLst>
+        </a:effectStyle>
+        <a:effectStyle>
+          <a:effectLst>
+            <a:outerShdw blurRad="40000" dist="23000" dir="5400000" rotWithShape="0">
+              <a:srgbClr val="000000">
+                <a:alpha val="35000"/>
+              </a:srgbClr>
+            </a:outerShdw>
+          </a:effectLst>
+        </a:effectStyle>
+        <a:effectStyle>
+          <a:effectLst>
+            <a:outerShdw blurRad="40000" dist="23000" dir="5400000" rotWithShape="0">
+              <a:srgbClr val="000000">
+                <a:alpha val="35000"/>
+              </a:srgbClr>
+            </a:outerShdw>
+          </a:effectLst>
+          <a:scene3d>
+            <a:camera prst="orthographicFront">
+              <a:rot lat="0" lon="0" rev="0"/>
+            </a:camera>
+            <a:lightRig rig="threePt" dir="t">
+              <a:rot lat="0" lon="0" rev="1200000"/>
+            </a:lightRig>
+          </a:scene3d>
+          <a:sp3d>
+            <a:bevelT w="63500" h="25400"/>
+          </a:sp3d>
+        </a:effectStyle>
+      </a:effectStyleLst>
+      <a:bgFillStyleLst>
+        <a:solidFill>
+          <a:schemeClr val="phClr"/>
+        </a:solidFill>
+        <a:gradFill rotWithShape="1">
+          <a:gsLst>
+            <a:gs pos="0">
+              <a:schemeClr val="phClr">
+                <a:tint val="40000"/>
+                <a:satMod val="350000"/>
+              </a:schemeClr>
+            </a:gs>
+            <a:gs pos="40000">
+              <a:schemeClr val="phClr">
+                <a:tint val="45000"/>
+                <a:shade val="99000"/>
+                <a:satMod val="350000"/>
+              </a:schemeClr>
+            </a:gs>
+            <a:gs pos="100000">
+              <a:schemeClr val="phClr">
+                <a:shade val="20000"/>
+                <a:satMod val="255000"/>
+              </a:schemeClr>
+            </a:gs>
+          </a:gsLst>
+          <a:path path="circle">
+            <a:fillToRect l="50000" t="-80000" r="50000" b="180000"/>
+          </a:path>
+        </a:gradFill>
+        <a:gradFill rotWithShape="1">
+          <a:gsLst>
+            <a:gs pos="0">
+              <a:schemeClr val="phClr">
+                <a:tint val="80000"/>
+                <a:satMod val="300000"/>
+              </a:schemeClr>
+            </a:gs>
+            <a:gs pos="100000">
+              <a:schemeClr val="phClr">
+                <a:shade val="30000"/>
+                <a:satMod val="200000"/>
+              </a:schemeClr>
+            </a:gs>
+          </a:gsLst>
+          <a:path path="circle">
+            <a:fillToRect l="50000" t="50000" r="50000" b="50000"/>
+          </a:path>
+        </a:gradFill>
+      </a:bgFillStyleLst>
+    </a:fmtScheme>
+  </a:themeElements>
+</a:theme>
+</file>
+
+<file path=ppt/theme/theme2.xml><?xml version="1.0" encoding="utf-8"?>
 <a:theme xmlns:a="http://schemas.openxmlformats.org/drawingml/2006/main" xmlns:r="http://schemas.openxmlformats.org/officeDocument/2006/relationships" name="Swiss">
   <a:themeElements>
     <a:clrScheme name="Swiss">
@@ -9810,283 +10286,4 @@
     </a:fmtScheme>
   </a:themeElements>
 </a:theme>
-</file>
-
-<file path=ppt/theme/theme2.xml><?xml version="1.0" encoding="utf-8"?>
-<a:theme xmlns:a="http://schemas.openxmlformats.org/drawingml/2006/main" xmlns:r="http://schemas.openxmlformats.org/officeDocument/2006/relationships">
-  <a:themeElements>
-    <a:clrScheme name="Default">
-      <a:dk1>
-        <a:srgbClr val="000000"/>
-      </a:dk1>
-      <a:lt1>
-        <a:srgbClr val="FFFFFF"/>
-      </a:lt1>
-      <a:dk2>
-        <a:srgbClr val="158158"/>
-      </a:dk2>
-      <a:lt2>
-        <a:srgbClr val="F3F3F3"/>
-      </a:lt2>
-      <a:accent1>
-        <a:srgbClr val="058DC7"/>
-      </a:accent1>
-      <a:accent2>
-        <a:srgbClr val="50B432"/>
-      </a:accent2>
-      <a:accent3>
-        <a:srgbClr val="ED561B"/>
-      </a:accent3>
-      <a:accent4>
-        <a:srgbClr val="EDEF00"/>
-      </a:accent4>
-      <a:accent5>
-        <a:srgbClr val="24CBE5"/>
-      </a:accent5>
-      <a:accent6>
-        <a:srgbClr val="64E572"/>
-      </a:accent6>
-      <a:hlink>
-        <a:srgbClr val="2200CC"/>
-      </a:hlink>
-      <a:folHlink>
-        <a:srgbClr val="551A8B"/>
-      </a:folHlink>
-    </a:clrScheme>
-    <a:fontScheme name="Office">
-      <a:majorFont>
-        <a:latin typeface="Arial"/>
-        <a:ea typeface=""/>
-        <a:cs typeface=""/>
-        <a:font script="Jpan" typeface="ＭＳ Ｐゴシック"/>
-        <a:font script="Hang" typeface="맑은 고딕"/>
-        <a:font script="Hans" typeface="宋体"/>
-        <a:font script="Hant" typeface="新細明體"/>
-        <a:font script="Arab" typeface="Times New Roman"/>
-        <a:font script="Hebr" typeface="Times New Roman"/>
-        <a:font script="Thai" typeface="Angsana New"/>
-        <a:font script="Ethi" typeface="Nyala"/>
-        <a:font script="Beng" typeface="Vrinda"/>
-        <a:font script="Gujr" typeface="Shruti"/>
-        <a:font script="Khmr" typeface="MoolBoran"/>
-        <a:font script="Knda" typeface="Tunga"/>
-        <a:font script="Guru" typeface="Raavi"/>
-        <a:font script="Cans" typeface="Euphemia"/>
-        <a:font script="Cher" typeface="Plantagenet Cherokee"/>
-        <a:font script="Yiii" typeface="Microsoft Yi Baiti"/>
-        <a:font script="Tibt" typeface="Microsoft Himalaya"/>
-        <a:font script="Thaa" typeface="MV Boli"/>
-        <a:font script="Deva" typeface="Mangal"/>
-        <a:font script="Telu" typeface="Gautami"/>
-        <a:font script="Taml" typeface="Latha"/>
-        <a:font script="Syrc" typeface="Estrangelo Edessa"/>
-        <a:font script="Orya" typeface="Kalinga"/>
-        <a:font script="Mlym" typeface="Kartika"/>
-        <a:font script="Laoo" typeface="DokChampa"/>
-        <a:font script="Sinh" typeface="Iskoola Pota"/>
-        <a:font script="Mong" typeface="Mongolian Baiti"/>
-        <a:font script="Viet" typeface="Times New Roman"/>
-        <a:font script="Uigh" typeface="Microsoft Uighur"/>
-        <a:font script="Geor" typeface="Sylfaen"/>
-      </a:majorFont>
-      <a:minorFont>
-        <a:latin typeface="Arial"/>
-        <a:ea typeface=""/>
-        <a:cs typeface=""/>
-        <a:font script="Jpan" typeface="ＭＳ Ｐゴシック"/>
-        <a:font script="Hang" typeface="맑은 고딕"/>
-        <a:font script="Hans" typeface="宋体"/>
-        <a:font script="Hant" typeface="新細明體"/>
-        <a:font script="Arab" typeface="Arial"/>
-        <a:font script="Hebr" typeface="Arial"/>
-        <a:font script="Thai" typeface="Cordia New"/>
-        <a:font script="Ethi" typeface="Nyala"/>
-        <a:font script="Beng" typeface="Vrinda"/>
-        <a:font script="Gujr" typeface="Shruti"/>
-        <a:font script="Khmr" typeface="DaunPenh"/>
-        <a:font script="Knda" typeface="Tunga"/>
-        <a:font script="Guru" typeface="Raavi"/>
-        <a:font script="Cans" typeface="Euphemia"/>
-        <a:font script="Cher" typeface="Plantagenet Cherokee"/>
-        <a:font script="Yiii" typeface="Microsoft Yi Baiti"/>
-        <a:font script="Tibt" typeface="Microsoft Himalaya"/>
-        <a:font script="Thaa" typeface="MV Boli"/>
-        <a:font script="Deva" typeface="Mangal"/>
-        <a:font script="Telu" typeface="Gautami"/>
-        <a:font script="Taml" typeface="Latha"/>
-        <a:font script="Syrc" typeface="Estrangelo Edessa"/>
-        <a:font script="Orya" typeface="Kalinga"/>
-        <a:font script="Mlym" typeface="Kartika"/>
-        <a:font script="Laoo" typeface="DokChampa"/>
-        <a:font script="Sinh" typeface="Iskoola Pota"/>
-        <a:font script="Mong" typeface="Mongolian Baiti"/>
-        <a:font script="Viet" typeface="Arial"/>
-        <a:font script="Uigh" typeface="Microsoft Uighur"/>
-        <a:font script="Geor" typeface="Sylfaen"/>
-      </a:minorFont>
-    </a:fontScheme>
-    <a:fmtScheme name="Office">
-      <a:fillStyleLst>
-        <a:solidFill>
-          <a:schemeClr val="phClr"/>
-        </a:solidFill>
-        <a:gradFill rotWithShape="1">
-          <a:gsLst>
-            <a:gs pos="0">
-              <a:schemeClr val="phClr">
-                <a:tint val="50000"/>
-                <a:satMod val="300000"/>
-              </a:schemeClr>
-            </a:gs>
-            <a:gs pos="35000">
-              <a:schemeClr val="phClr">
-                <a:tint val="37000"/>
-                <a:satMod val="300000"/>
-              </a:schemeClr>
-            </a:gs>
-            <a:gs pos="100000">
-              <a:schemeClr val="phClr">
-                <a:tint val="15000"/>
-                <a:satMod val="350000"/>
-              </a:schemeClr>
-            </a:gs>
-          </a:gsLst>
-          <a:lin ang="16200000" scaled="1"/>
-        </a:gradFill>
-        <a:gradFill rotWithShape="1">
-          <a:gsLst>
-            <a:gs pos="0">
-              <a:schemeClr val="phClr">
-                <a:tint val="100000"/>
-                <a:shade val="100000"/>
-                <a:satMod val="130000"/>
-              </a:schemeClr>
-            </a:gs>
-            <a:gs pos="100000">
-              <a:schemeClr val="phClr">
-                <a:tint val="50000"/>
-                <a:shade val="100000"/>
-                <a:satMod val="350000"/>
-              </a:schemeClr>
-            </a:gs>
-          </a:gsLst>
-          <a:lin ang="16200000" scaled="0"/>
-        </a:gradFill>
-      </a:fillStyleLst>
-      <a:lnStyleLst>
-        <a:ln w="9525" cap="flat" cmpd="sng" algn="ctr">
-          <a:solidFill>
-            <a:schemeClr val="phClr">
-              <a:shade val="95000"/>
-              <a:satMod val="105000"/>
-            </a:schemeClr>
-          </a:solidFill>
-          <a:prstDash val="solid"/>
-        </a:ln>
-        <a:ln w="25400" cap="flat" cmpd="sng" algn="ctr">
-          <a:solidFill>
-            <a:schemeClr val="phClr"/>
-          </a:solidFill>
-          <a:prstDash val="solid"/>
-        </a:ln>
-        <a:ln w="38100" cap="flat" cmpd="sng" algn="ctr">
-          <a:solidFill>
-            <a:schemeClr val="phClr"/>
-          </a:solidFill>
-          <a:prstDash val="solid"/>
-        </a:ln>
-      </a:lnStyleLst>
-      <a:effectStyleLst>
-        <a:effectStyle>
-          <a:effectLst>
-            <a:outerShdw blurRad="40000" dist="20000" dir="5400000" rotWithShape="0">
-              <a:srgbClr val="000000">
-                <a:alpha val="38000"/>
-              </a:srgbClr>
-            </a:outerShdw>
-          </a:effectLst>
-        </a:effectStyle>
-        <a:effectStyle>
-          <a:effectLst>
-            <a:outerShdw blurRad="40000" dist="23000" dir="5400000" rotWithShape="0">
-              <a:srgbClr val="000000">
-                <a:alpha val="35000"/>
-              </a:srgbClr>
-            </a:outerShdw>
-          </a:effectLst>
-        </a:effectStyle>
-        <a:effectStyle>
-          <a:effectLst>
-            <a:outerShdw blurRad="40000" dist="23000" dir="5400000" rotWithShape="0">
-              <a:srgbClr val="000000">
-                <a:alpha val="35000"/>
-              </a:srgbClr>
-            </a:outerShdw>
-          </a:effectLst>
-          <a:scene3d>
-            <a:camera prst="orthographicFront">
-              <a:rot lat="0" lon="0" rev="0"/>
-            </a:camera>
-            <a:lightRig rig="threePt" dir="t">
-              <a:rot lat="0" lon="0" rev="1200000"/>
-            </a:lightRig>
-          </a:scene3d>
-          <a:sp3d>
-            <a:bevelT w="63500" h="25400"/>
-          </a:sp3d>
-        </a:effectStyle>
-      </a:effectStyleLst>
-      <a:bgFillStyleLst>
-        <a:solidFill>
-          <a:schemeClr val="phClr"/>
-        </a:solidFill>
-        <a:gradFill rotWithShape="1">
-          <a:gsLst>
-            <a:gs pos="0">
-              <a:schemeClr val="phClr">
-                <a:tint val="40000"/>
-                <a:satMod val="350000"/>
-              </a:schemeClr>
-            </a:gs>
-            <a:gs pos="40000">
-              <a:schemeClr val="phClr">
-                <a:tint val="45000"/>
-                <a:shade val="99000"/>
-                <a:satMod val="350000"/>
-              </a:schemeClr>
-            </a:gs>
-            <a:gs pos="100000">
-              <a:schemeClr val="phClr">
-                <a:shade val="20000"/>
-                <a:satMod val="255000"/>
-              </a:schemeClr>
-            </a:gs>
-          </a:gsLst>
-          <a:path path="circle">
-            <a:fillToRect l="50000" t="-80000" r="50000" b="180000"/>
-          </a:path>
-        </a:gradFill>
-        <a:gradFill rotWithShape="1">
-          <a:gsLst>
-            <a:gs pos="0">
-              <a:schemeClr val="phClr">
-                <a:tint val="80000"/>
-                <a:satMod val="300000"/>
-              </a:schemeClr>
-            </a:gs>
-            <a:gs pos="100000">
-              <a:schemeClr val="phClr">
-                <a:shade val="30000"/>
-                <a:satMod val="200000"/>
-              </a:schemeClr>
-            </a:gs>
-          </a:gsLst>
-          <a:path path="circle">
-            <a:fillToRect l="50000" t="50000" r="50000" b="50000"/>
-          </a:path>
-        </a:gradFill>
-      </a:bgFillStyleLst>
-    </a:fmtScheme>
-  </a:themeElements>
-</a:theme>
 </file>